--- a/presentation/PODS_presentation_v02.pptx
+++ b/presentation/PODS_presentation_v02.pptx
@@ -267,7 +267,7 @@
       </p15:sldGuideLst>
     </p:ext>
     <p:ext uri="GoogleSlidesCustomDataVersion2">
-      <go:slidesCustomData xmlns:go="http://customooxmlschemas.google.com/" xmlns:ahyp="http://schemas.microsoft.com/office/drawing/2018/hyperlinkcolor" xmlns:p15="http://schemas.microsoft.com/office/powerpoint/2012/main" xmlns:p14="http://schemas.microsoft.com/office/powerpoint/2010/main" xmlns:com="http://schemas.openxmlformats.org/drawingml/2006/compatibility" xmlns:pvml="urn:schemas-microsoft-com:office:powerpoint" xmlns:v="urn:schemas-microsoft-com:vml" xmlns:o="urn:schemas-microsoft-com:office:office" xmlns:dgm="http://schemas.openxmlformats.org/drawingml/2006/diagram" xmlns:c="http://schemas.openxmlformats.org/drawingml/2006/chart" xmlns:mv="urn:schemas-microsoft-com:mac:vml" xmlns:mc="http://schemas.openxmlformats.org/markup-compatibility/2006" xmlns="" r:id="rId21" roundtripDataSignature="AMtx7mhlKoIluN9SrdNzZg2URk/45A0few=="/>
+      <go:slidesCustomData xmlns="" xmlns:mc="http://schemas.openxmlformats.org/markup-compatibility/2006" xmlns:mv="urn:schemas-microsoft-com:mac:vml" xmlns:c="http://schemas.openxmlformats.org/drawingml/2006/chart" xmlns:dgm="http://schemas.openxmlformats.org/drawingml/2006/diagram" xmlns:o="urn:schemas-microsoft-com:office:office" xmlns:v="urn:schemas-microsoft-com:vml" xmlns:pvml="urn:schemas-microsoft-com:office:powerpoint" xmlns:com="http://schemas.openxmlformats.org/drawingml/2006/compatibility" xmlns:p14="http://schemas.microsoft.com/office/powerpoint/2010/main" xmlns:p15="http://schemas.microsoft.com/office/powerpoint/2012/main" xmlns:ahyp="http://schemas.microsoft.com/office/drawing/2018/hyperlinkcolor" xmlns:go="http://customooxmlschemas.google.com/" r:id="rId21" roundtripDataSignature="AMtx7mhlKoIluN9SrdNzZg2URk/45A0few=="/>
     </p:ext>
   </p:extLst>
 </p:presentation>
@@ -18132,8 +18132,8 @@
           </a:ln>
         </p:spPr>
         <p:txBody>
-          <a:bodyPr spcFirstLastPara="1" wrap="square" lIns="108000" tIns="0" rIns="108000" bIns="0" anchor="ctr" anchorCtr="0">
-            <a:spAutoFit/>
+          <a:bodyPr spcFirstLastPara="1" wrap="square" lIns="0" tIns="0" rIns="0" bIns="0" anchor="ctr" anchorCtr="0">
+            <a:noAutofit/>
           </a:bodyPr>
           <a:lstStyle/>
           <a:p>
@@ -18192,8 +18192,8 @@
           </a:ln>
         </p:spPr>
         <p:txBody>
-          <a:bodyPr spcFirstLastPara="1" wrap="square" lIns="108000" tIns="0" rIns="108000" bIns="0" anchor="ctr" anchorCtr="0">
-            <a:spAutoFit/>
+          <a:bodyPr spcFirstLastPara="1" wrap="square" lIns="0" tIns="0" rIns="0" bIns="0" anchor="ctr" anchorCtr="0">
+            <a:noAutofit/>
           </a:bodyPr>
           <a:lstStyle/>
           <a:p>
@@ -18252,8 +18252,8 @@
           </a:ln>
         </p:spPr>
         <p:txBody>
-          <a:bodyPr spcFirstLastPara="1" wrap="square" lIns="108000" tIns="0" rIns="108000" bIns="0" anchor="ctr" anchorCtr="0">
-            <a:spAutoFit/>
+          <a:bodyPr spcFirstLastPara="1" wrap="square" lIns="0" tIns="0" rIns="0" bIns="0" anchor="ctr" anchorCtr="0">
+            <a:noAutofit/>
           </a:bodyPr>
           <a:lstStyle/>
           <a:p>
@@ -18312,8 +18312,8 @@
           </a:ln>
         </p:spPr>
         <p:txBody>
-          <a:bodyPr spcFirstLastPara="1" wrap="square" lIns="108000" tIns="0" rIns="108000" bIns="0" anchor="ctr" anchorCtr="0">
-            <a:spAutoFit/>
+          <a:bodyPr spcFirstLastPara="1" wrap="square" lIns="0" tIns="0" rIns="0" bIns="0" anchor="ctr" anchorCtr="0">
+            <a:noAutofit/>
           </a:bodyPr>
           <a:lstStyle/>
           <a:p>
@@ -18372,8 +18372,8 @@
           </a:ln>
         </p:spPr>
         <p:txBody>
-          <a:bodyPr spcFirstLastPara="1" wrap="square" lIns="72000" tIns="0" rIns="72000" bIns="0" anchor="ctr" anchorCtr="0">
-            <a:spAutoFit/>
+          <a:bodyPr spcFirstLastPara="1" wrap="square" lIns="0" tIns="0" rIns="0" bIns="0" anchor="ctr" anchorCtr="0">
+            <a:noAutofit/>
           </a:bodyPr>
           <a:lstStyle/>
           <a:p>
@@ -18432,8 +18432,8 @@
           </a:ln>
         </p:spPr>
         <p:txBody>
-          <a:bodyPr spcFirstLastPara="1" wrap="square" lIns="72000" tIns="0" rIns="72000" bIns="0" anchor="ctr" anchorCtr="0">
-            <a:spAutoFit/>
+          <a:bodyPr spcFirstLastPara="1" wrap="square" lIns="0" tIns="0" rIns="0" bIns="0" anchor="ctr" anchorCtr="0">
+            <a:noAutofit/>
           </a:bodyPr>
           <a:lstStyle/>
           <a:p>
@@ -18492,8 +18492,8 @@
           </a:ln>
         </p:spPr>
         <p:txBody>
-          <a:bodyPr spcFirstLastPara="1" wrap="square" lIns="72000" tIns="0" rIns="72000" bIns="0" anchor="ctr" anchorCtr="0">
-            <a:spAutoFit/>
+          <a:bodyPr spcFirstLastPara="1" wrap="square" lIns="0" tIns="0" rIns="0" bIns="0" anchor="ctr" anchorCtr="0">
+            <a:noAutofit/>
           </a:bodyPr>
           <a:lstStyle/>
           <a:p>
@@ -18552,8 +18552,8 @@
           </a:ln>
         </p:spPr>
         <p:txBody>
-          <a:bodyPr spcFirstLastPara="1" wrap="square" lIns="108000" tIns="0" rIns="108000" bIns="0" anchor="ctr" anchorCtr="0">
-            <a:spAutoFit/>
+          <a:bodyPr spcFirstLastPara="1" wrap="square" lIns="0" tIns="0" rIns="0" bIns="0" anchor="ctr" anchorCtr="0">
+            <a:noAutofit/>
           </a:bodyPr>
           <a:lstStyle/>
           <a:p>
@@ -18612,8 +18612,8 @@
           </a:ln>
         </p:spPr>
         <p:txBody>
-          <a:bodyPr spcFirstLastPara="1" wrap="square" lIns="72000" tIns="0" rIns="72000" bIns="0" anchor="ctr" anchorCtr="0">
-            <a:spAutoFit/>
+          <a:bodyPr spcFirstLastPara="1" wrap="square" lIns="0" tIns="0" rIns="0" bIns="0" anchor="ctr" anchorCtr="0">
+            <a:noAutofit/>
           </a:bodyPr>
           <a:lstStyle/>
           <a:p>
@@ -18672,8 +18672,8 @@
           </a:ln>
         </p:spPr>
         <p:txBody>
-          <a:bodyPr spcFirstLastPara="1" wrap="square" lIns="108000" tIns="0" rIns="108000" bIns="0" anchor="ctr" anchorCtr="0">
-            <a:spAutoFit/>
+          <a:bodyPr spcFirstLastPara="1" wrap="square" lIns="0" tIns="0" rIns="0" bIns="0" anchor="ctr" anchorCtr="0">
+            <a:noAutofit/>
           </a:bodyPr>
           <a:lstStyle/>
           <a:p>
@@ -18732,8 +18732,8 @@
           </a:ln>
         </p:spPr>
         <p:txBody>
-          <a:bodyPr spcFirstLastPara="1" wrap="square" lIns="108000" tIns="0" rIns="108000" bIns="0" anchor="ctr" anchorCtr="0">
-            <a:spAutoFit/>
+          <a:bodyPr spcFirstLastPara="1" wrap="square" lIns="0" tIns="0" rIns="0" bIns="0" anchor="ctr" anchorCtr="0">
+            <a:noAutofit/>
           </a:bodyPr>
           <a:lstStyle/>
           <a:p>
@@ -18792,8 +18792,8 @@
           </a:ln>
         </p:spPr>
         <p:txBody>
-          <a:bodyPr spcFirstLastPara="1" wrap="square" lIns="108000" tIns="0" rIns="108000" bIns="0" anchor="ctr" anchorCtr="0">
-            <a:spAutoFit/>
+          <a:bodyPr spcFirstLastPara="1" wrap="square" lIns="0" tIns="0" rIns="0" bIns="0" anchor="ctr" anchorCtr="0">
+            <a:noAutofit/>
           </a:bodyPr>
           <a:lstStyle/>
           <a:p>
